--- a/Explanatory note/presentation.pptx
+++ b/Explanatory note/presentation.pptx
@@ -6058,8 +6058,13 @@
           <a:p>
             <a:r>
               <a:rPr lang="ru-RU" sz="3200" dirty="0"/>
-              <a:t>Разработка информационной системы для генератора экзаменационных  билетов</a:t>
-            </a:r>
+              <a:t>Разработка информационной системы для генератора билетов </a:t>
+            </a:r>
+            <a:r>
+              <a:rPr lang="ru-RU" sz="3200"/>
+              <a:t>к экзамену</a:t>
+            </a:r>
+            <a:endParaRPr lang="ru-RU" sz="3200" dirty="0"/>
           </a:p>
         </p:txBody>
       </p:sp>

--- a/Explanatory note/presentation.pptx
+++ b/Explanatory note/presentation.pptx
@@ -313,7 +313,7 @@
           <a:p>
             <a:fld id="{9FB4ACEE-33BD-4CF3-A65F-B17F122E57A1}" type="datetimeFigureOut">
               <a:rPr lang="ru-RU" smtClean="0"/>
-              <a:t>05.06.2023</a:t>
+              <a:t>12.06.2023</a:t>
             </a:fld>
             <a:endParaRPr lang="ru-RU"/>
           </a:p>
@@ -588,7 +588,7 @@
           <a:p>
             <a:fld id="{9FB4ACEE-33BD-4CF3-A65F-B17F122E57A1}" type="datetimeFigureOut">
               <a:rPr lang="ru-RU" smtClean="0"/>
-              <a:t>05.06.2023</a:t>
+              <a:t>12.06.2023</a:t>
             </a:fld>
             <a:endParaRPr lang="ru-RU"/>
           </a:p>
@@ -782,7 +782,7 @@
           <a:p>
             <a:fld id="{9FB4ACEE-33BD-4CF3-A65F-B17F122E57A1}" type="datetimeFigureOut">
               <a:rPr lang="ru-RU" smtClean="0"/>
-              <a:t>05.06.2023</a:t>
+              <a:t>12.06.2023</a:t>
             </a:fld>
             <a:endParaRPr lang="ru-RU"/>
           </a:p>
@@ -1050,7 +1050,7 @@
           <a:p>
             <a:fld id="{9FB4ACEE-33BD-4CF3-A65F-B17F122E57A1}" type="datetimeFigureOut">
               <a:rPr lang="ru-RU" smtClean="0"/>
-              <a:t>05.06.2023</a:t>
+              <a:t>12.06.2023</a:t>
             </a:fld>
             <a:endParaRPr lang="ru-RU"/>
           </a:p>
@@ -1382,7 +1382,7 @@
           <a:p>
             <a:fld id="{9FB4ACEE-33BD-4CF3-A65F-B17F122E57A1}" type="datetimeFigureOut">
               <a:rPr lang="ru-RU" smtClean="0"/>
-              <a:t>05.06.2023</a:t>
+              <a:t>12.06.2023</a:t>
             </a:fld>
             <a:endParaRPr lang="ru-RU"/>
           </a:p>
@@ -1992,7 +1992,7 @@
           <a:p>
             <a:fld id="{9FB4ACEE-33BD-4CF3-A65F-B17F122E57A1}" type="datetimeFigureOut">
               <a:rPr lang="ru-RU" smtClean="0"/>
-              <a:t>05.06.2023</a:t>
+              <a:t>12.06.2023</a:t>
             </a:fld>
             <a:endParaRPr lang="ru-RU"/>
           </a:p>
@@ -2839,7 +2839,7 @@
           <a:p>
             <a:fld id="{9FB4ACEE-33BD-4CF3-A65F-B17F122E57A1}" type="datetimeFigureOut">
               <a:rPr lang="ru-RU" smtClean="0"/>
-              <a:t>05.06.2023</a:t>
+              <a:t>12.06.2023</a:t>
             </a:fld>
             <a:endParaRPr lang="ru-RU"/>
           </a:p>
@@ -3009,7 +3009,7 @@
           <a:p>
             <a:fld id="{9FB4ACEE-33BD-4CF3-A65F-B17F122E57A1}" type="datetimeFigureOut">
               <a:rPr lang="ru-RU" smtClean="0"/>
-              <a:t>05.06.2023</a:t>
+              <a:t>12.06.2023</a:t>
             </a:fld>
             <a:endParaRPr lang="ru-RU"/>
           </a:p>
@@ -3189,7 +3189,7 @@
           <a:p>
             <a:fld id="{9FB4ACEE-33BD-4CF3-A65F-B17F122E57A1}" type="datetimeFigureOut">
               <a:rPr lang="ru-RU" smtClean="0"/>
-              <a:t>05.06.2023</a:t>
+              <a:t>12.06.2023</a:t>
             </a:fld>
             <a:endParaRPr lang="ru-RU"/>
           </a:p>
@@ -3359,7 +3359,7 @@
           <a:p>
             <a:fld id="{9FB4ACEE-33BD-4CF3-A65F-B17F122E57A1}" type="datetimeFigureOut">
               <a:rPr lang="ru-RU" smtClean="0"/>
-              <a:t>05.06.2023</a:t>
+              <a:t>12.06.2023</a:t>
             </a:fld>
             <a:endParaRPr lang="ru-RU"/>
           </a:p>
@@ -3603,7 +3603,7 @@
           <a:p>
             <a:fld id="{9FB4ACEE-33BD-4CF3-A65F-B17F122E57A1}" type="datetimeFigureOut">
               <a:rPr lang="ru-RU" smtClean="0"/>
-              <a:t>05.06.2023</a:t>
+              <a:t>12.06.2023</a:t>
             </a:fld>
             <a:endParaRPr lang="ru-RU"/>
           </a:p>
@@ -3895,7 +3895,7 @@
           <a:p>
             <a:fld id="{9FB4ACEE-33BD-4CF3-A65F-B17F122E57A1}" type="datetimeFigureOut">
               <a:rPr lang="ru-RU" smtClean="0"/>
-              <a:t>05.06.2023</a:t>
+              <a:t>12.06.2023</a:t>
             </a:fld>
             <a:endParaRPr lang="ru-RU"/>
           </a:p>
@@ -4333,7 +4333,7 @@
           <a:p>
             <a:fld id="{9FB4ACEE-33BD-4CF3-A65F-B17F122E57A1}" type="datetimeFigureOut">
               <a:rPr lang="ru-RU" smtClean="0"/>
-              <a:t>05.06.2023</a:t>
+              <a:t>12.06.2023</a:t>
             </a:fld>
             <a:endParaRPr lang="ru-RU"/>
           </a:p>
@@ -4451,7 +4451,7 @@
           <a:p>
             <a:fld id="{9FB4ACEE-33BD-4CF3-A65F-B17F122E57A1}" type="datetimeFigureOut">
               <a:rPr lang="ru-RU" smtClean="0"/>
-              <a:t>05.06.2023</a:t>
+              <a:t>12.06.2023</a:t>
             </a:fld>
             <a:endParaRPr lang="ru-RU"/>
           </a:p>
@@ -4546,7 +4546,7 @@
           <a:p>
             <a:fld id="{9FB4ACEE-33BD-4CF3-A65F-B17F122E57A1}" type="datetimeFigureOut">
               <a:rPr lang="ru-RU" smtClean="0"/>
-              <a:t>05.06.2023</a:t>
+              <a:t>12.06.2023</a:t>
             </a:fld>
             <a:endParaRPr lang="ru-RU"/>
           </a:p>
@@ -4825,7 +4825,7 @@
           <a:p>
             <a:fld id="{9FB4ACEE-33BD-4CF3-A65F-B17F122E57A1}" type="datetimeFigureOut">
               <a:rPr lang="ru-RU" smtClean="0"/>
-              <a:t>05.06.2023</a:t>
+              <a:t>12.06.2023</a:t>
             </a:fld>
             <a:endParaRPr lang="ru-RU"/>
           </a:p>
@@ -5100,7 +5100,7 @@
           <a:p>
             <a:fld id="{9FB4ACEE-33BD-4CF3-A65F-B17F122E57A1}" type="datetimeFigureOut">
               <a:rPr lang="ru-RU" smtClean="0"/>
-              <a:t>05.06.2023</a:t>
+              <a:t>12.06.2023</a:t>
             </a:fld>
             <a:endParaRPr lang="ru-RU"/>
           </a:p>
@@ -5529,7 +5529,7 @@
           <a:p>
             <a:fld id="{9FB4ACEE-33BD-4CF3-A65F-B17F122E57A1}" type="datetimeFigureOut">
               <a:rPr lang="ru-RU" smtClean="0"/>
-              <a:t>05.06.2023</a:t>
+              <a:t>12.06.2023</a:t>
             </a:fld>
             <a:endParaRPr lang="ru-RU"/>
           </a:p>
@@ -8141,10 +8141,10 @@
       </p:sp>
       <p:pic>
         <p:nvPicPr>
-          <p:cNvPr id="4" name="Рисунок 3">
+          <p:cNvPr id="5" name="Рисунок 4">
             <a:extLst>
               <a:ext uri="{FF2B5EF4-FFF2-40B4-BE49-F238E27FC236}">
-                <a16:creationId xmlns:a16="http://schemas.microsoft.com/office/drawing/2014/main" id="{538B1ACC-C864-971A-A4D3-54330C09F59B}"/>
+                <a16:creationId xmlns:a16="http://schemas.microsoft.com/office/drawing/2014/main" id="{C2B7074E-1C3E-4DBC-77A5-6A879176F423}"/>
               </a:ext>
             </a:extLst>
           </p:cNvPr>
@@ -8161,8 +8161,8 @@
         </p:blipFill>
         <p:spPr>
           <a:xfrm>
-            <a:off x="4511141" y="2498718"/>
-            <a:ext cx="7287282" cy="3415013"/>
+            <a:off x="4096823" y="2370338"/>
+            <a:ext cx="7685617" cy="3684232"/>
           </a:xfrm>
           <a:prstGeom prst="rect">
             <a:avLst/>
